--- a/ppt 16-9/0289.带着你的欢笑.pptx
+++ b/ppt 16-9/0289.带着你的欢笑.pptx
@@ -129,7 +129,7 @@
           <p:cNvPr id="2" name="标题 1">
             <a:extLst>
               <a:ext uri="{FF2B5EF4-FFF2-40B4-BE49-F238E27FC236}">
-                <a16:creationId xmlns:a16="http://schemas.microsoft.com/office/drawing/2014/main" id="{A9F14EE2-CCDF-9294-92D9-574794E5ED53}"/>
+                <a16:creationId xmlns:a16="http://schemas.microsoft.com/office/drawing/2014/main" id="{DA69C61C-D3E7-659D-C329-FFE5280E4B7B}"/>
               </a:ext>
             </a:extLst>
           </p:cNvPr>
@@ -166,7 +166,7 @@
           <p:cNvPr id="3" name="副标题 2">
             <a:extLst>
               <a:ext uri="{FF2B5EF4-FFF2-40B4-BE49-F238E27FC236}">
-                <a16:creationId xmlns:a16="http://schemas.microsoft.com/office/drawing/2014/main" id="{A66EBB12-E7B5-31C9-8CCD-780D3A6D0B28}"/>
+                <a16:creationId xmlns:a16="http://schemas.microsoft.com/office/drawing/2014/main" id="{32FEA745-D05B-F2CA-6431-33673179757C}"/>
               </a:ext>
             </a:extLst>
           </p:cNvPr>
@@ -236,7 +236,7 @@
           <p:cNvPr id="4" name="日期占位符 3">
             <a:extLst>
               <a:ext uri="{FF2B5EF4-FFF2-40B4-BE49-F238E27FC236}">
-                <a16:creationId xmlns:a16="http://schemas.microsoft.com/office/drawing/2014/main" id="{9882D9D5-CD21-F4A3-1F86-50CBCCB558F3}"/>
+                <a16:creationId xmlns:a16="http://schemas.microsoft.com/office/drawing/2014/main" id="{EE3B3BAA-56EB-227D-A390-57E4BC6073D4}"/>
               </a:ext>
             </a:extLst>
           </p:cNvPr>
@@ -252,7 +252,7 @@
           <a:bodyPr/>
           <a:lstStyle/>
           <a:p>
-            <a:fld id="{156944E4-BC25-4F0E-8D1C-A8E801B63424}" type="datetimeFigureOut">
+            <a:fld id="{60BAEC06-7505-4034-BC21-6B3E097ECABD}" type="datetimeFigureOut">
               <a:rPr lang="zh-CN" altLang="en-US" smtClean="0"/>
               <a:t>2024/3/10</a:t>
             </a:fld>
@@ -265,7 +265,7 @@
           <p:cNvPr id="5" name="页脚占位符 4">
             <a:extLst>
               <a:ext uri="{FF2B5EF4-FFF2-40B4-BE49-F238E27FC236}">
-                <a16:creationId xmlns:a16="http://schemas.microsoft.com/office/drawing/2014/main" id="{E266D65E-0B89-C23A-D48F-55D958344F40}"/>
+                <a16:creationId xmlns:a16="http://schemas.microsoft.com/office/drawing/2014/main" id="{6D3976F8-AA1D-F42A-C1D5-7C7D52D8F97F}"/>
               </a:ext>
             </a:extLst>
           </p:cNvPr>
@@ -290,7 +290,7 @@
           <p:cNvPr id="6" name="灯片编号占位符 5">
             <a:extLst>
               <a:ext uri="{FF2B5EF4-FFF2-40B4-BE49-F238E27FC236}">
-                <a16:creationId xmlns:a16="http://schemas.microsoft.com/office/drawing/2014/main" id="{ACC4BED3-421D-2574-0408-5712E25F8BFC}"/>
+                <a16:creationId xmlns:a16="http://schemas.microsoft.com/office/drawing/2014/main" id="{CC9370C7-60B5-A846-D9DE-60D57E76600D}"/>
               </a:ext>
             </a:extLst>
           </p:cNvPr>
@@ -306,7 +306,7 @@
           <a:bodyPr/>
           <a:lstStyle/>
           <a:p>
-            <a:fld id="{70848BCA-9205-4340-9A25-144095185E51}" type="slidenum">
+            <a:fld id="{1918D53B-3833-4E77-B99C-C001C6789864}" type="slidenum">
               <a:rPr lang="zh-CN" altLang="en-US" smtClean="0"/>
               <a:t>‹#›</a:t>
             </a:fld>
@@ -317,7 +317,7 @@
     </p:spTree>
     <p:extLst>
       <p:ext uri="{BB962C8B-B14F-4D97-AF65-F5344CB8AC3E}">
-        <p14:creationId xmlns:p14="http://schemas.microsoft.com/office/powerpoint/2010/main" val="58871078"/>
+        <p14:creationId xmlns:p14="http://schemas.microsoft.com/office/powerpoint/2010/main" val="1528563232"/>
       </p:ext>
     </p:extLst>
   </p:cSld>
@@ -349,7 +349,7 @@
           <p:cNvPr id="2" name="标题 1">
             <a:extLst>
               <a:ext uri="{FF2B5EF4-FFF2-40B4-BE49-F238E27FC236}">
-                <a16:creationId xmlns:a16="http://schemas.microsoft.com/office/drawing/2014/main" id="{8A723470-4242-5EC3-D65C-B08DE7BC0214}"/>
+                <a16:creationId xmlns:a16="http://schemas.microsoft.com/office/drawing/2014/main" id="{37AFBFA6-6B5C-3299-31A9-9066D6931173}"/>
               </a:ext>
             </a:extLst>
           </p:cNvPr>
@@ -377,7 +377,7 @@
           <p:cNvPr id="3" name="竖排文字占位符 2">
             <a:extLst>
               <a:ext uri="{FF2B5EF4-FFF2-40B4-BE49-F238E27FC236}">
-                <a16:creationId xmlns:a16="http://schemas.microsoft.com/office/drawing/2014/main" id="{480DE6E2-3DCD-9C61-C039-E7FFAFFDA2F5}"/>
+                <a16:creationId xmlns:a16="http://schemas.microsoft.com/office/drawing/2014/main" id="{E0B66813-84D8-AE03-9E84-F70F2FD0B3B7}"/>
               </a:ext>
             </a:extLst>
           </p:cNvPr>
@@ -434,7 +434,7 @@
           <p:cNvPr id="4" name="日期占位符 3">
             <a:extLst>
               <a:ext uri="{FF2B5EF4-FFF2-40B4-BE49-F238E27FC236}">
-                <a16:creationId xmlns:a16="http://schemas.microsoft.com/office/drawing/2014/main" id="{15159574-290E-7AA3-7AB1-AE304889BF24}"/>
+                <a16:creationId xmlns:a16="http://schemas.microsoft.com/office/drawing/2014/main" id="{5FA79A0B-EDC6-D95B-AAF6-3EE0FBCA38EF}"/>
               </a:ext>
             </a:extLst>
           </p:cNvPr>
@@ -450,7 +450,7 @@
           <a:bodyPr/>
           <a:lstStyle/>
           <a:p>
-            <a:fld id="{156944E4-BC25-4F0E-8D1C-A8E801B63424}" type="datetimeFigureOut">
+            <a:fld id="{60BAEC06-7505-4034-BC21-6B3E097ECABD}" type="datetimeFigureOut">
               <a:rPr lang="zh-CN" altLang="en-US" smtClean="0"/>
               <a:t>2024/3/10</a:t>
             </a:fld>
@@ -463,7 +463,7 @@
           <p:cNvPr id="5" name="页脚占位符 4">
             <a:extLst>
               <a:ext uri="{FF2B5EF4-FFF2-40B4-BE49-F238E27FC236}">
-                <a16:creationId xmlns:a16="http://schemas.microsoft.com/office/drawing/2014/main" id="{D21CFC74-AFF2-AEA5-46CC-C19A9DD296F7}"/>
+                <a16:creationId xmlns:a16="http://schemas.microsoft.com/office/drawing/2014/main" id="{4C8A30E4-C004-F2BA-3480-F7FC4B3C4339}"/>
               </a:ext>
             </a:extLst>
           </p:cNvPr>
@@ -488,7 +488,7 @@
           <p:cNvPr id="6" name="灯片编号占位符 5">
             <a:extLst>
               <a:ext uri="{FF2B5EF4-FFF2-40B4-BE49-F238E27FC236}">
-                <a16:creationId xmlns:a16="http://schemas.microsoft.com/office/drawing/2014/main" id="{50CB586E-D190-8C06-19CF-5DE811ECD075}"/>
+                <a16:creationId xmlns:a16="http://schemas.microsoft.com/office/drawing/2014/main" id="{B9ABA2B9-7397-F076-8408-DC9D1859D9A6}"/>
               </a:ext>
             </a:extLst>
           </p:cNvPr>
@@ -504,7 +504,7 @@
           <a:bodyPr/>
           <a:lstStyle/>
           <a:p>
-            <a:fld id="{70848BCA-9205-4340-9A25-144095185E51}" type="slidenum">
+            <a:fld id="{1918D53B-3833-4E77-B99C-C001C6789864}" type="slidenum">
               <a:rPr lang="zh-CN" altLang="en-US" smtClean="0"/>
               <a:t>‹#›</a:t>
             </a:fld>
@@ -515,7 +515,7 @@
     </p:spTree>
     <p:extLst>
       <p:ext uri="{BB962C8B-B14F-4D97-AF65-F5344CB8AC3E}">
-        <p14:creationId xmlns:p14="http://schemas.microsoft.com/office/powerpoint/2010/main" val="3809485471"/>
+        <p14:creationId xmlns:p14="http://schemas.microsoft.com/office/powerpoint/2010/main" val="356685301"/>
       </p:ext>
     </p:extLst>
   </p:cSld>
@@ -547,7 +547,7 @@
           <p:cNvPr id="2" name="竖排标题 1">
             <a:extLst>
               <a:ext uri="{FF2B5EF4-FFF2-40B4-BE49-F238E27FC236}">
-                <a16:creationId xmlns:a16="http://schemas.microsoft.com/office/drawing/2014/main" id="{92E21ACD-531F-EBC2-8EEF-A889D5CD163D}"/>
+                <a16:creationId xmlns:a16="http://schemas.microsoft.com/office/drawing/2014/main" id="{A755A591-BB0B-3EB0-4896-F3D714EC24DC}"/>
               </a:ext>
             </a:extLst>
           </p:cNvPr>
@@ -580,7 +580,7 @@
           <p:cNvPr id="3" name="竖排文字占位符 2">
             <a:extLst>
               <a:ext uri="{FF2B5EF4-FFF2-40B4-BE49-F238E27FC236}">
-                <a16:creationId xmlns:a16="http://schemas.microsoft.com/office/drawing/2014/main" id="{A24155DD-DBFA-A9D1-7C19-BD1E571E645E}"/>
+                <a16:creationId xmlns:a16="http://schemas.microsoft.com/office/drawing/2014/main" id="{BD58EAE8-B162-0420-9789-1727023608F6}"/>
               </a:ext>
             </a:extLst>
           </p:cNvPr>
@@ -642,7 +642,7 @@
           <p:cNvPr id="4" name="日期占位符 3">
             <a:extLst>
               <a:ext uri="{FF2B5EF4-FFF2-40B4-BE49-F238E27FC236}">
-                <a16:creationId xmlns:a16="http://schemas.microsoft.com/office/drawing/2014/main" id="{5D009E72-451F-B23C-1DC8-003A4252AD96}"/>
+                <a16:creationId xmlns:a16="http://schemas.microsoft.com/office/drawing/2014/main" id="{E8060D2B-0F7E-5A8D-DEFD-CDAB6FC6529C}"/>
               </a:ext>
             </a:extLst>
           </p:cNvPr>
@@ -658,7 +658,7 @@
           <a:bodyPr/>
           <a:lstStyle/>
           <a:p>
-            <a:fld id="{156944E4-BC25-4F0E-8D1C-A8E801B63424}" type="datetimeFigureOut">
+            <a:fld id="{60BAEC06-7505-4034-BC21-6B3E097ECABD}" type="datetimeFigureOut">
               <a:rPr lang="zh-CN" altLang="en-US" smtClean="0"/>
               <a:t>2024/3/10</a:t>
             </a:fld>
@@ -671,7 +671,7 @@
           <p:cNvPr id="5" name="页脚占位符 4">
             <a:extLst>
               <a:ext uri="{FF2B5EF4-FFF2-40B4-BE49-F238E27FC236}">
-                <a16:creationId xmlns:a16="http://schemas.microsoft.com/office/drawing/2014/main" id="{C32E6F12-BB6F-9F4D-02E5-D4AC15A95021}"/>
+                <a16:creationId xmlns:a16="http://schemas.microsoft.com/office/drawing/2014/main" id="{C0301697-9578-50DC-E30F-655C38C60B79}"/>
               </a:ext>
             </a:extLst>
           </p:cNvPr>
@@ -696,7 +696,7 @@
           <p:cNvPr id="6" name="灯片编号占位符 5">
             <a:extLst>
               <a:ext uri="{FF2B5EF4-FFF2-40B4-BE49-F238E27FC236}">
-                <a16:creationId xmlns:a16="http://schemas.microsoft.com/office/drawing/2014/main" id="{EE8A2AEC-77B6-C0F9-2930-E7F908458928}"/>
+                <a16:creationId xmlns:a16="http://schemas.microsoft.com/office/drawing/2014/main" id="{B9F3F3E3-A6DF-3239-8FEA-C12903E35E4A}"/>
               </a:ext>
             </a:extLst>
           </p:cNvPr>
@@ -712,7 +712,7 @@
           <a:bodyPr/>
           <a:lstStyle/>
           <a:p>
-            <a:fld id="{70848BCA-9205-4340-9A25-144095185E51}" type="slidenum">
+            <a:fld id="{1918D53B-3833-4E77-B99C-C001C6789864}" type="slidenum">
               <a:rPr lang="zh-CN" altLang="en-US" smtClean="0"/>
               <a:t>‹#›</a:t>
             </a:fld>
@@ -723,7 +723,7 @@
     </p:spTree>
     <p:extLst>
       <p:ext uri="{BB962C8B-B14F-4D97-AF65-F5344CB8AC3E}">
-        <p14:creationId xmlns:p14="http://schemas.microsoft.com/office/powerpoint/2010/main" val="1265858334"/>
+        <p14:creationId xmlns:p14="http://schemas.microsoft.com/office/powerpoint/2010/main" val="1396576370"/>
       </p:ext>
     </p:extLst>
   </p:cSld>
@@ -755,7 +755,7 @@
           <p:cNvPr id="2" name="标题 1">
             <a:extLst>
               <a:ext uri="{FF2B5EF4-FFF2-40B4-BE49-F238E27FC236}">
-                <a16:creationId xmlns:a16="http://schemas.microsoft.com/office/drawing/2014/main" id="{0E98D9B5-A003-3B41-B23A-0311F4D84805}"/>
+                <a16:creationId xmlns:a16="http://schemas.microsoft.com/office/drawing/2014/main" id="{E86DDF68-2000-72C4-E633-4D7595172405}"/>
               </a:ext>
             </a:extLst>
           </p:cNvPr>
@@ -783,7 +783,7 @@
           <p:cNvPr id="3" name="内容占位符 2">
             <a:extLst>
               <a:ext uri="{FF2B5EF4-FFF2-40B4-BE49-F238E27FC236}">
-                <a16:creationId xmlns:a16="http://schemas.microsoft.com/office/drawing/2014/main" id="{9BF8DD40-D21A-A91B-BBE4-085BD0708BA3}"/>
+                <a16:creationId xmlns:a16="http://schemas.microsoft.com/office/drawing/2014/main" id="{061231EA-7B23-8771-76AD-A1921646AD64}"/>
               </a:ext>
             </a:extLst>
           </p:cNvPr>
@@ -840,7 +840,7 @@
           <p:cNvPr id="4" name="日期占位符 3">
             <a:extLst>
               <a:ext uri="{FF2B5EF4-FFF2-40B4-BE49-F238E27FC236}">
-                <a16:creationId xmlns:a16="http://schemas.microsoft.com/office/drawing/2014/main" id="{90209D72-F098-65D3-10DE-D3C906768360}"/>
+                <a16:creationId xmlns:a16="http://schemas.microsoft.com/office/drawing/2014/main" id="{5A7155B6-5813-DA8D-7173-E1701ABE6772}"/>
               </a:ext>
             </a:extLst>
           </p:cNvPr>
@@ -856,7 +856,7 @@
           <a:bodyPr/>
           <a:lstStyle/>
           <a:p>
-            <a:fld id="{156944E4-BC25-4F0E-8D1C-A8E801B63424}" type="datetimeFigureOut">
+            <a:fld id="{60BAEC06-7505-4034-BC21-6B3E097ECABD}" type="datetimeFigureOut">
               <a:rPr lang="zh-CN" altLang="en-US" smtClean="0"/>
               <a:t>2024/3/10</a:t>
             </a:fld>
@@ -869,7 +869,7 @@
           <p:cNvPr id="5" name="页脚占位符 4">
             <a:extLst>
               <a:ext uri="{FF2B5EF4-FFF2-40B4-BE49-F238E27FC236}">
-                <a16:creationId xmlns:a16="http://schemas.microsoft.com/office/drawing/2014/main" id="{29F2C8C6-6090-52B2-571A-EE0CD3AE5DB9}"/>
+                <a16:creationId xmlns:a16="http://schemas.microsoft.com/office/drawing/2014/main" id="{E20DDBF3-C234-366A-308C-149E6D3349D7}"/>
               </a:ext>
             </a:extLst>
           </p:cNvPr>
@@ -894,7 +894,7 @@
           <p:cNvPr id="6" name="灯片编号占位符 5">
             <a:extLst>
               <a:ext uri="{FF2B5EF4-FFF2-40B4-BE49-F238E27FC236}">
-                <a16:creationId xmlns:a16="http://schemas.microsoft.com/office/drawing/2014/main" id="{D7E98A2C-7F2C-83F1-9E77-C9AAAB80EFC8}"/>
+                <a16:creationId xmlns:a16="http://schemas.microsoft.com/office/drawing/2014/main" id="{8D5CA737-BF7F-836F-B9E5-E3207B01F104}"/>
               </a:ext>
             </a:extLst>
           </p:cNvPr>
@@ -910,7 +910,7 @@
           <a:bodyPr/>
           <a:lstStyle/>
           <a:p>
-            <a:fld id="{70848BCA-9205-4340-9A25-144095185E51}" type="slidenum">
+            <a:fld id="{1918D53B-3833-4E77-B99C-C001C6789864}" type="slidenum">
               <a:rPr lang="zh-CN" altLang="en-US" smtClean="0"/>
               <a:t>‹#›</a:t>
             </a:fld>
@@ -921,7 +921,7 @@
     </p:spTree>
     <p:extLst>
       <p:ext uri="{BB962C8B-B14F-4D97-AF65-F5344CB8AC3E}">
-        <p14:creationId xmlns:p14="http://schemas.microsoft.com/office/powerpoint/2010/main" val="2154373461"/>
+        <p14:creationId xmlns:p14="http://schemas.microsoft.com/office/powerpoint/2010/main" val="2382493713"/>
       </p:ext>
     </p:extLst>
   </p:cSld>
@@ -953,7 +953,7 @@
           <p:cNvPr id="2" name="标题 1">
             <a:extLst>
               <a:ext uri="{FF2B5EF4-FFF2-40B4-BE49-F238E27FC236}">
-                <a16:creationId xmlns:a16="http://schemas.microsoft.com/office/drawing/2014/main" id="{CCF19EA0-260F-B096-313A-BE3F12CFC7C4}"/>
+                <a16:creationId xmlns:a16="http://schemas.microsoft.com/office/drawing/2014/main" id="{BAF6A11E-2B67-CCC5-8B34-2D4967C86F98}"/>
               </a:ext>
             </a:extLst>
           </p:cNvPr>
@@ -990,7 +990,7 @@
           <p:cNvPr id="3" name="文本占位符 2">
             <a:extLst>
               <a:ext uri="{FF2B5EF4-FFF2-40B4-BE49-F238E27FC236}">
-                <a16:creationId xmlns:a16="http://schemas.microsoft.com/office/drawing/2014/main" id="{3CDC635E-D0F8-24D1-1037-600F376EA3D0}"/>
+                <a16:creationId xmlns:a16="http://schemas.microsoft.com/office/drawing/2014/main" id="{618FCFAE-8975-9C44-4EEB-D7D91923EEFD}"/>
               </a:ext>
             </a:extLst>
           </p:cNvPr>
@@ -1115,7 +1115,7 @@
           <p:cNvPr id="4" name="日期占位符 3">
             <a:extLst>
               <a:ext uri="{FF2B5EF4-FFF2-40B4-BE49-F238E27FC236}">
-                <a16:creationId xmlns:a16="http://schemas.microsoft.com/office/drawing/2014/main" id="{C13C0E47-2643-6A07-0B96-CB325F45EEEA}"/>
+                <a16:creationId xmlns:a16="http://schemas.microsoft.com/office/drawing/2014/main" id="{3B5E8335-39FE-4FCC-FCB7-5ECDAA6F5323}"/>
               </a:ext>
             </a:extLst>
           </p:cNvPr>
@@ -1131,7 +1131,7 @@
           <a:bodyPr/>
           <a:lstStyle/>
           <a:p>
-            <a:fld id="{156944E4-BC25-4F0E-8D1C-A8E801B63424}" type="datetimeFigureOut">
+            <a:fld id="{60BAEC06-7505-4034-BC21-6B3E097ECABD}" type="datetimeFigureOut">
               <a:rPr lang="zh-CN" altLang="en-US" smtClean="0"/>
               <a:t>2024/3/10</a:t>
             </a:fld>
@@ -1144,7 +1144,7 @@
           <p:cNvPr id="5" name="页脚占位符 4">
             <a:extLst>
               <a:ext uri="{FF2B5EF4-FFF2-40B4-BE49-F238E27FC236}">
-                <a16:creationId xmlns:a16="http://schemas.microsoft.com/office/drawing/2014/main" id="{0A1C91C3-80A7-98F3-8ABE-053E84D1BFB2}"/>
+                <a16:creationId xmlns:a16="http://schemas.microsoft.com/office/drawing/2014/main" id="{C5207648-3723-7ABA-6F51-39E8AAE49C03}"/>
               </a:ext>
             </a:extLst>
           </p:cNvPr>
@@ -1169,7 +1169,7 @@
           <p:cNvPr id="6" name="灯片编号占位符 5">
             <a:extLst>
               <a:ext uri="{FF2B5EF4-FFF2-40B4-BE49-F238E27FC236}">
-                <a16:creationId xmlns:a16="http://schemas.microsoft.com/office/drawing/2014/main" id="{DA2EA631-4A6C-9B7E-B52C-384F6D879586}"/>
+                <a16:creationId xmlns:a16="http://schemas.microsoft.com/office/drawing/2014/main" id="{D8DD54C3-33F7-C5D2-F092-7FB65D256FB0}"/>
               </a:ext>
             </a:extLst>
           </p:cNvPr>
@@ -1185,7 +1185,7 @@
           <a:bodyPr/>
           <a:lstStyle/>
           <a:p>
-            <a:fld id="{70848BCA-9205-4340-9A25-144095185E51}" type="slidenum">
+            <a:fld id="{1918D53B-3833-4E77-B99C-C001C6789864}" type="slidenum">
               <a:rPr lang="zh-CN" altLang="en-US" smtClean="0"/>
               <a:t>‹#›</a:t>
             </a:fld>
@@ -1196,7 +1196,7 @@
     </p:spTree>
     <p:extLst>
       <p:ext uri="{BB962C8B-B14F-4D97-AF65-F5344CB8AC3E}">
-        <p14:creationId xmlns:p14="http://schemas.microsoft.com/office/powerpoint/2010/main" val="2233885958"/>
+        <p14:creationId xmlns:p14="http://schemas.microsoft.com/office/powerpoint/2010/main" val="4776922"/>
       </p:ext>
     </p:extLst>
   </p:cSld>
@@ -1228,7 +1228,7 @@
           <p:cNvPr id="2" name="标题 1">
             <a:extLst>
               <a:ext uri="{FF2B5EF4-FFF2-40B4-BE49-F238E27FC236}">
-                <a16:creationId xmlns:a16="http://schemas.microsoft.com/office/drawing/2014/main" id="{C247A589-A101-5C68-89EC-E02A7C869592}"/>
+                <a16:creationId xmlns:a16="http://schemas.microsoft.com/office/drawing/2014/main" id="{4CE734A7-498B-C9C2-4EF0-E06834E4D385}"/>
               </a:ext>
             </a:extLst>
           </p:cNvPr>
@@ -1256,7 +1256,7 @@
           <p:cNvPr id="3" name="内容占位符 2">
             <a:extLst>
               <a:ext uri="{FF2B5EF4-FFF2-40B4-BE49-F238E27FC236}">
-                <a16:creationId xmlns:a16="http://schemas.microsoft.com/office/drawing/2014/main" id="{67ADBDF1-2134-0E2D-5D7F-F2ED2FF31B58}"/>
+                <a16:creationId xmlns:a16="http://schemas.microsoft.com/office/drawing/2014/main" id="{535D50FF-5A16-D96C-C209-EDAB64A5360D}"/>
               </a:ext>
             </a:extLst>
           </p:cNvPr>
@@ -1318,7 +1318,7 @@
           <p:cNvPr id="4" name="内容占位符 3">
             <a:extLst>
               <a:ext uri="{FF2B5EF4-FFF2-40B4-BE49-F238E27FC236}">
-                <a16:creationId xmlns:a16="http://schemas.microsoft.com/office/drawing/2014/main" id="{5C3E12CA-AE67-006B-9A83-26111539756B}"/>
+                <a16:creationId xmlns:a16="http://schemas.microsoft.com/office/drawing/2014/main" id="{166E6D21-BE6D-AE6B-D421-F7E98C849CFB}"/>
               </a:ext>
             </a:extLst>
           </p:cNvPr>
@@ -1380,7 +1380,7 @@
           <p:cNvPr id="5" name="日期占位符 4">
             <a:extLst>
               <a:ext uri="{FF2B5EF4-FFF2-40B4-BE49-F238E27FC236}">
-                <a16:creationId xmlns:a16="http://schemas.microsoft.com/office/drawing/2014/main" id="{D89F821E-FFDF-B89E-DCF4-29D804889163}"/>
+                <a16:creationId xmlns:a16="http://schemas.microsoft.com/office/drawing/2014/main" id="{08E89DCE-52CC-795E-77D3-675AE102648F}"/>
               </a:ext>
             </a:extLst>
           </p:cNvPr>
@@ -1396,7 +1396,7 @@
           <a:bodyPr/>
           <a:lstStyle/>
           <a:p>
-            <a:fld id="{156944E4-BC25-4F0E-8D1C-A8E801B63424}" type="datetimeFigureOut">
+            <a:fld id="{60BAEC06-7505-4034-BC21-6B3E097ECABD}" type="datetimeFigureOut">
               <a:rPr lang="zh-CN" altLang="en-US" smtClean="0"/>
               <a:t>2024/3/10</a:t>
             </a:fld>
@@ -1409,7 +1409,7 @@
           <p:cNvPr id="6" name="页脚占位符 5">
             <a:extLst>
               <a:ext uri="{FF2B5EF4-FFF2-40B4-BE49-F238E27FC236}">
-                <a16:creationId xmlns:a16="http://schemas.microsoft.com/office/drawing/2014/main" id="{4B7764CC-94C0-E082-9247-02B4B5C1FCF4}"/>
+                <a16:creationId xmlns:a16="http://schemas.microsoft.com/office/drawing/2014/main" id="{CE284777-C1CC-6621-A736-E49840B04737}"/>
               </a:ext>
             </a:extLst>
           </p:cNvPr>
@@ -1434,7 +1434,7 @@
           <p:cNvPr id="7" name="灯片编号占位符 6">
             <a:extLst>
               <a:ext uri="{FF2B5EF4-FFF2-40B4-BE49-F238E27FC236}">
-                <a16:creationId xmlns:a16="http://schemas.microsoft.com/office/drawing/2014/main" id="{065CADF0-C9AB-ACCD-2297-ECD78CFAAC39}"/>
+                <a16:creationId xmlns:a16="http://schemas.microsoft.com/office/drawing/2014/main" id="{C61A7F17-4111-F791-CCD5-7C4170E65D2E}"/>
               </a:ext>
             </a:extLst>
           </p:cNvPr>
@@ -1450,7 +1450,7 @@
           <a:bodyPr/>
           <a:lstStyle/>
           <a:p>
-            <a:fld id="{70848BCA-9205-4340-9A25-144095185E51}" type="slidenum">
+            <a:fld id="{1918D53B-3833-4E77-B99C-C001C6789864}" type="slidenum">
               <a:rPr lang="zh-CN" altLang="en-US" smtClean="0"/>
               <a:t>‹#›</a:t>
             </a:fld>
@@ -1461,7 +1461,7 @@
     </p:spTree>
     <p:extLst>
       <p:ext uri="{BB962C8B-B14F-4D97-AF65-F5344CB8AC3E}">
-        <p14:creationId xmlns:p14="http://schemas.microsoft.com/office/powerpoint/2010/main" val="4055214687"/>
+        <p14:creationId xmlns:p14="http://schemas.microsoft.com/office/powerpoint/2010/main" val="2823549079"/>
       </p:ext>
     </p:extLst>
   </p:cSld>
@@ -1493,7 +1493,7 @@
           <p:cNvPr id="2" name="标题 1">
             <a:extLst>
               <a:ext uri="{FF2B5EF4-FFF2-40B4-BE49-F238E27FC236}">
-                <a16:creationId xmlns:a16="http://schemas.microsoft.com/office/drawing/2014/main" id="{07001A68-112C-A9E6-9B2A-49753B25EDC0}"/>
+                <a16:creationId xmlns:a16="http://schemas.microsoft.com/office/drawing/2014/main" id="{1F4BBE42-5D66-21EB-E121-DD17E9E1351B}"/>
               </a:ext>
             </a:extLst>
           </p:cNvPr>
@@ -1526,7 +1526,7 @@
           <p:cNvPr id="3" name="文本占位符 2">
             <a:extLst>
               <a:ext uri="{FF2B5EF4-FFF2-40B4-BE49-F238E27FC236}">
-                <a16:creationId xmlns:a16="http://schemas.microsoft.com/office/drawing/2014/main" id="{5D91E306-BD1E-EEED-50C1-4A751C76F139}"/>
+                <a16:creationId xmlns:a16="http://schemas.microsoft.com/office/drawing/2014/main" id="{2FB0F91B-BDF7-4129-6680-D8EF0238CADE}"/>
               </a:ext>
             </a:extLst>
           </p:cNvPr>
@@ -1597,7 +1597,7 @@
           <p:cNvPr id="4" name="内容占位符 3">
             <a:extLst>
               <a:ext uri="{FF2B5EF4-FFF2-40B4-BE49-F238E27FC236}">
-                <a16:creationId xmlns:a16="http://schemas.microsoft.com/office/drawing/2014/main" id="{E9611DDC-5871-B682-097F-98562AAD791D}"/>
+                <a16:creationId xmlns:a16="http://schemas.microsoft.com/office/drawing/2014/main" id="{DEDDFD1A-897A-D69A-11E6-0ED97CE6630E}"/>
               </a:ext>
             </a:extLst>
           </p:cNvPr>
@@ -1659,7 +1659,7 @@
           <p:cNvPr id="5" name="文本占位符 4">
             <a:extLst>
               <a:ext uri="{FF2B5EF4-FFF2-40B4-BE49-F238E27FC236}">
-                <a16:creationId xmlns:a16="http://schemas.microsoft.com/office/drawing/2014/main" id="{CEA2C905-D11B-80BF-9CC5-ECA32821BE73}"/>
+                <a16:creationId xmlns:a16="http://schemas.microsoft.com/office/drawing/2014/main" id="{975328F6-7623-A178-C1B9-5B1AAE14D266}"/>
               </a:ext>
             </a:extLst>
           </p:cNvPr>
@@ -1730,7 +1730,7 @@
           <p:cNvPr id="6" name="内容占位符 5">
             <a:extLst>
               <a:ext uri="{FF2B5EF4-FFF2-40B4-BE49-F238E27FC236}">
-                <a16:creationId xmlns:a16="http://schemas.microsoft.com/office/drawing/2014/main" id="{4A0A05E5-12AF-B0DC-ABE2-B9C3629BDBAC}"/>
+                <a16:creationId xmlns:a16="http://schemas.microsoft.com/office/drawing/2014/main" id="{3C010E0C-A5E5-B722-657B-907A04D3467F}"/>
               </a:ext>
             </a:extLst>
           </p:cNvPr>
@@ -1792,7 +1792,7 @@
           <p:cNvPr id="7" name="日期占位符 6">
             <a:extLst>
               <a:ext uri="{FF2B5EF4-FFF2-40B4-BE49-F238E27FC236}">
-                <a16:creationId xmlns:a16="http://schemas.microsoft.com/office/drawing/2014/main" id="{917300CB-DEEA-6865-17EB-D36DE474FE89}"/>
+                <a16:creationId xmlns:a16="http://schemas.microsoft.com/office/drawing/2014/main" id="{9C980CBD-D2D2-42E3-B20E-20EE4953BCF8}"/>
               </a:ext>
             </a:extLst>
           </p:cNvPr>
@@ -1808,7 +1808,7 @@
           <a:bodyPr/>
           <a:lstStyle/>
           <a:p>
-            <a:fld id="{156944E4-BC25-4F0E-8D1C-A8E801B63424}" type="datetimeFigureOut">
+            <a:fld id="{60BAEC06-7505-4034-BC21-6B3E097ECABD}" type="datetimeFigureOut">
               <a:rPr lang="zh-CN" altLang="en-US" smtClean="0"/>
               <a:t>2024/3/10</a:t>
             </a:fld>
@@ -1821,7 +1821,7 @@
           <p:cNvPr id="8" name="页脚占位符 7">
             <a:extLst>
               <a:ext uri="{FF2B5EF4-FFF2-40B4-BE49-F238E27FC236}">
-                <a16:creationId xmlns:a16="http://schemas.microsoft.com/office/drawing/2014/main" id="{D6C835FA-FF46-C874-F170-0809E8AA343D}"/>
+                <a16:creationId xmlns:a16="http://schemas.microsoft.com/office/drawing/2014/main" id="{8E9A952C-1389-D71A-3EDA-C4E5BB3BD981}"/>
               </a:ext>
             </a:extLst>
           </p:cNvPr>
@@ -1846,7 +1846,7 @@
           <p:cNvPr id="9" name="灯片编号占位符 8">
             <a:extLst>
               <a:ext uri="{FF2B5EF4-FFF2-40B4-BE49-F238E27FC236}">
-                <a16:creationId xmlns:a16="http://schemas.microsoft.com/office/drawing/2014/main" id="{15601BC1-30C7-1B02-72B0-74F961FFFAFA}"/>
+                <a16:creationId xmlns:a16="http://schemas.microsoft.com/office/drawing/2014/main" id="{8E8500A4-4239-F977-266F-AAA55610DB69}"/>
               </a:ext>
             </a:extLst>
           </p:cNvPr>
@@ -1862,7 +1862,7 @@
           <a:bodyPr/>
           <a:lstStyle/>
           <a:p>
-            <a:fld id="{70848BCA-9205-4340-9A25-144095185E51}" type="slidenum">
+            <a:fld id="{1918D53B-3833-4E77-B99C-C001C6789864}" type="slidenum">
               <a:rPr lang="zh-CN" altLang="en-US" smtClean="0"/>
               <a:t>‹#›</a:t>
             </a:fld>
@@ -1873,7 +1873,7 @@
     </p:spTree>
     <p:extLst>
       <p:ext uri="{BB962C8B-B14F-4D97-AF65-F5344CB8AC3E}">
-        <p14:creationId xmlns:p14="http://schemas.microsoft.com/office/powerpoint/2010/main" val="452236443"/>
+        <p14:creationId xmlns:p14="http://schemas.microsoft.com/office/powerpoint/2010/main" val="3143866969"/>
       </p:ext>
     </p:extLst>
   </p:cSld>
@@ -1905,7 +1905,7 @@
           <p:cNvPr id="2" name="标题 1">
             <a:extLst>
               <a:ext uri="{FF2B5EF4-FFF2-40B4-BE49-F238E27FC236}">
-                <a16:creationId xmlns:a16="http://schemas.microsoft.com/office/drawing/2014/main" id="{D2F37C09-822F-FA7B-B011-60A52A606740}"/>
+                <a16:creationId xmlns:a16="http://schemas.microsoft.com/office/drawing/2014/main" id="{99D9F034-5159-DF77-8F15-1F8BA3F4337F}"/>
               </a:ext>
             </a:extLst>
           </p:cNvPr>
@@ -1933,7 +1933,7 @@
           <p:cNvPr id="3" name="日期占位符 2">
             <a:extLst>
               <a:ext uri="{FF2B5EF4-FFF2-40B4-BE49-F238E27FC236}">
-                <a16:creationId xmlns:a16="http://schemas.microsoft.com/office/drawing/2014/main" id="{16EF87F1-04B9-D878-DCB1-A024A4D8850C}"/>
+                <a16:creationId xmlns:a16="http://schemas.microsoft.com/office/drawing/2014/main" id="{69BF5D97-7854-E7BE-BB66-1BA6F322C511}"/>
               </a:ext>
             </a:extLst>
           </p:cNvPr>
@@ -1949,7 +1949,7 @@
           <a:bodyPr/>
           <a:lstStyle/>
           <a:p>
-            <a:fld id="{156944E4-BC25-4F0E-8D1C-A8E801B63424}" type="datetimeFigureOut">
+            <a:fld id="{60BAEC06-7505-4034-BC21-6B3E097ECABD}" type="datetimeFigureOut">
               <a:rPr lang="zh-CN" altLang="en-US" smtClean="0"/>
               <a:t>2024/3/10</a:t>
             </a:fld>
@@ -1962,7 +1962,7 @@
           <p:cNvPr id="4" name="页脚占位符 3">
             <a:extLst>
               <a:ext uri="{FF2B5EF4-FFF2-40B4-BE49-F238E27FC236}">
-                <a16:creationId xmlns:a16="http://schemas.microsoft.com/office/drawing/2014/main" id="{EC4571C1-B63F-B350-73B6-730176B03B24}"/>
+                <a16:creationId xmlns:a16="http://schemas.microsoft.com/office/drawing/2014/main" id="{2CE7CD45-1A87-0278-B30B-539AC053AB42}"/>
               </a:ext>
             </a:extLst>
           </p:cNvPr>
@@ -1987,7 +1987,7 @@
           <p:cNvPr id="5" name="灯片编号占位符 4">
             <a:extLst>
               <a:ext uri="{FF2B5EF4-FFF2-40B4-BE49-F238E27FC236}">
-                <a16:creationId xmlns:a16="http://schemas.microsoft.com/office/drawing/2014/main" id="{69C4A881-7B90-26D2-7308-764C41305664}"/>
+                <a16:creationId xmlns:a16="http://schemas.microsoft.com/office/drawing/2014/main" id="{9A3E8479-3B7F-632D-4E6D-AB19DA011ECB}"/>
               </a:ext>
             </a:extLst>
           </p:cNvPr>
@@ -2003,7 +2003,7 @@
           <a:bodyPr/>
           <a:lstStyle/>
           <a:p>
-            <a:fld id="{70848BCA-9205-4340-9A25-144095185E51}" type="slidenum">
+            <a:fld id="{1918D53B-3833-4E77-B99C-C001C6789864}" type="slidenum">
               <a:rPr lang="zh-CN" altLang="en-US" smtClean="0"/>
               <a:t>‹#›</a:t>
             </a:fld>
@@ -2014,7 +2014,7 @@
     </p:spTree>
     <p:extLst>
       <p:ext uri="{BB962C8B-B14F-4D97-AF65-F5344CB8AC3E}">
-        <p14:creationId xmlns:p14="http://schemas.microsoft.com/office/powerpoint/2010/main" val="3727352955"/>
+        <p14:creationId xmlns:p14="http://schemas.microsoft.com/office/powerpoint/2010/main" val="1661386014"/>
       </p:ext>
     </p:extLst>
   </p:cSld>
@@ -2046,7 +2046,7 @@
           <p:cNvPr id="2" name="日期占位符 1">
             <a:extLst>
               <a:ext uri="{FF2B5EF4-FFF2-40B4-BE49-F238E27FC236}">
-                <a16:creationId xmlns:a16="http://schemas.microsoft.com/office/drawing/2014/main" id="{1543C72D-7B5E-EC09-600C-391A2D1711C0}"/>
+                <a16:creationId xmlns:a16="http://schemas.microsoft.com/office/drawing/2014/main" id="{0D4B04A5-8D98-9AA6-73C8-D41F05A8016A}"/>
               </a:ext>
             </a:extLst>
           </p:cNvPr>
@@ -2062,7 +2062,7 @@
           <a:bodyPr/>
           <a:lstStyle/>
           <a:p>
-            <a:fld id="{156944E4-BC25-4F0E-8D1C-A8E801B63424}" type="datetimeFigureOut">
+            <a:fld id="{60BAEC06-7505-4034-BC21-6B3E097ECABD}" type="datetimeFigureOut">
               <a:rPr lang="zh-CN" altLang="en-US" smtClean="0"/>
               <a:t>2024/3/10</a:t>
             </a:fld>
@@ -2075,7 +2075,7 @@
           <p:cNvPr id="3" name="页脚占位符 2">
             <a:extLst>
               <a:ext uri="{FF2B5EF4-FFF2-40B4-BE49-F238E27FC236}">
-                <a16:creationId xmlns:a16="http://schemas.microsoft.com/office/drawing/2014/main" id="{D076CA5B-2699-244B-49F1-ABCA5C063C7A}"/>
+                <a16:creationId xmlns:a16="http://schemas.microsoft.com/office/drawing/2014/main" id="{B0566262-8417-410F-4577-2317A3F10E6E}"/>
               </a:ext>
             </a:extLst>
           </p:cNvPr>
@@ -2100,7 +2100,7 @@
           <p:cNvPr id="4" name="灯片编号占位符 3">
             <a:extLst>
               <a:ext uri="{FF2B5EF4-FFF2-40B4-BE49-F238E27FC236}">
-                <a16:creationId xmlns:a16="http://schemas.microsoft.com/office/drawing/2014/main" id="{35B73F63-BE2A-7E7A-DCF3-645EB107AA6A}"/>
+                <a16:creationId xmlns:a16="http://schemas.microsoft.com/office/drawing/2014/main" id="{A8744132-FA6C-A637-B1D5-668D304706E6}"/>
               </a:ext>
             </a:extLst>
           </p:cNvPr>
@@ -2116,7 +2116,7 @@
           <a:bodyPr/>
           <a:lstStyle/>
           <a:p>
-            <a:fld id="{70848BCA-9205-4340-9A25-144095185E51}" type="slidenum">
+            <a:fld id="{1918D53B-3833-4E77-B99C-C001C6789864}" type="slidenum">
               <a:rPr lang="zh-CN" altLang="en-US" smtClean="0"/>
               <a:t>‹#›</a:t>
             </a:fld>
@@ -2127,7 +2127,7 @@
     </p:spTree>
     <p:extLst>
       <p:ext uri="{BB962C8B-B14F-4D97-AF65-F5344CB8AC3E}">
-        <p14:creationId xmlns:p14="http://schemas.microsoft.com/office/powerpoint/2010/main" val="3222655338"/>
+        <p14:creationId xmlns:p14="http://schemas.microsoft.com/office/powerpoint/2010/main" val="1788886675"/>
       </p:ext>
     </p:extLst>
   </p:cSld>
@@ -2159,7 +2159,7 @@
           <p:cNvPr id="2" name="标题 1">
             <a:extLst>
               <a:ext uri="{FF2B5EF4-FFF2-40B4-BE49-F238E27FC236}">
-                <a16:creationId xmlns:a16="http://schemas.microsoft.com/office/drawing/2014/main" id="{4BD2CE24-E457-9BAD-49AB-0F51809EA815}"/>
+                <a16:creationId xmlns:a16="http://schemas.microsoft.com/office/drawing/2014/main" id="{0C6AB14C-3C36-2076-1B10-A93E1E377AE6}"/>
               </a:ext>
             </a:extLst>
           </p:cNvPr>
@@ -2196,7 +2196,7 @@
           <p:cNvPr id="3" name="内容占位符 2">
             <a:extLst>
               <a:ext uri="{FF2B5EF4-FFF2-40B4-BE49-F238E27FC236}">
-                <a16:creationId xmlns:a16="http://schemas.microsoft.com/office/drawing/2014/main" id="{958F0777-18C4-DD3D-9DF2-84BAF5CEC9EE}"/>
+                <a16:creationId xmlns:a16="http://schemas.microsoft.com/office/drawing/2014/main" id="{CD2797B3-A250-7468-52C0-045AE17DACF8}"/>
               </a:ext>
             </a:extLst>
           </p:cNvPr>
@@ -2286,7 +2286,7 @@
           <p:cNvPr id="4" name="文本占位符 3">
             <a:extLst>
               <a:ext uri="{FF2B5EF4-FFF2-40B4-BE49-F238E27FC236}">
-                <a16:creationId xmlns:a16="http://schemas.microsoft.com/office/drawing/2014/main" id="{4F98A115-5F52-6464-623C-D7DF19B43941}"/>
+                <a16:creationId xmlns:a16="http://schemas.microsoft.com/office/drawing/2014/main" id="{C65C7E0F-2760-0C7C-EC29-3E60ED96E765}"/>
               </a:ext>
             </a:extLst>
           </p:cNvPr>
@@ -2357,7 +2357,7 @@
           <p:cNvPr id="5" name="日期占位符 4">
             <a:extLst>
               <a:ext uri="{FF2B5EF4-FFF2-40B4-BE49-F238E27FC236}">
-                <a16:creationId xmlns:a16="http://schemas.microsoft.com/office/drawing/2014/main" id="{73610579-9528-5245-8FB4-6A00160E366F}"/>
+                <a16:creationId xmlns:a16="http://schemas.microsoft.com/office/drawing/2014/main" id="{C6D5173F-FD97-BAB7-3407-623BC3CD25E6}"/>
               </a:ext>
             </a:extLst>
           </p:cNvPr>
@@ -2373,7 +2373,7 @@
           <a:bodyPr/>
           <a:lstStyle/>
           <a:p>
-            <a:fld id="{156944E4-BC25-4F0E-8D1C-A8E801B63424}" type="datetimeFigureOut">
+            <a:fld id="{60BAEC06-7505-4034-BC21-6B3E097ECABD}" type="datetimeFigureOut">
               <a:rPr lang="zh-CN" altLang="en-US" smtClean="0"/>
               <a:t>2024/3/10</a:t>
             </a:fld>
@@ -2386,7 +2386,7 @@
           <p:cNvPr id="6" name="页脚占位符 5">
             <a:extLst>
               <a:ext uri="{FF2B5EF4-FFF2-40B4-BE49-F238E27FC236}">
-                <a16:creationId xmlns:a16="http://schemas.microsoft.com/office/drawing/2014/main" id="{F7CC3D92-6450-8901-79AE-0FEC62F3804C}"/>
+                <a16:creationId xmlns:a16="http://schemas.microsoft.com/office/drawing/2014/main" id="{04FFEDB8-E8F0-6C73-91C0-2628C0F77D5D}"/>
               </a:ext>
             </a:extLst>
           </p:cNvPr>
@@ -2411,7 +2411,7 @@
           <p:cNvPr id="7" name="灯片编号占位符 6">
             <a:extLst>
               <a:ext uri="{FF2B5EF4-FFF2-40B4-BE49-F238E27FC236}">
-                <a16:creationId xmlns:a16="http://schemas.microsoft.com/office/drawing/2014/main" id="{5AC108F3-DA90-BE4E-5067-BD0532732A0A}"/>
+                <a16:creationId xmlns:a16="http://schemas.microsoft.com/office/drawing/2014/main" id="{F56C747C-1942-E3A4-77F3-8670C5C6221C}"/>
               </a:ext>
             </a:extLst>
           </p:cNvPr>
@@ -2427,7 +2427,7 @@
           <a:bodyPr/>
           <a:lstStyle/>
           <a:p>
-            <a:fld id="{70848BCA-9205-4340-9A25-144095185E51}" type="slidenum">
+            <a:fld id="{1918D53B-3833-4E77-B99C-C001C6789864}" type="slidenum">
               <a:rPr lang="zh-CN" altLang="en-US" smtClean="0"/>
               <a:t>‹#›</a:t>
             </a:fld>
@@ -2438,7 +2438,7 @@
     </p:spTree>
     <p:extLst>
       <p:ext uri="{BB962C8B-B14F-4D97-AF65-F5344CB8AC3E}">
-        <p14:creationId xmlns:p14="http://schemas.microsoft.com/office/powerpoint/2010/main" val="2062994397"/>
+        <p14:creationId xmlns:p14="http://schemas.microsoft.com/office/powerpoint/2010/main" val="746982127"/>
       </p:ext>
     </p:extLst>
   </p:cSld>
@@ -2470,7 +2470,7 @@
           <p:cNvPr id="2" name="标题 1">
             <a:extLst>
               <a:ext uri="{FF2B5EF4-FFF2-40B4-BE49-F238E27FC236}">
-                <a16:creationId xmlns:a16="http://schemas.microsoft.com/office/drawing/2014/main" id="{5FBB5F6C-BB3B-403F-8AAA-5985C748D93E}"/>
+                <a16:creationId xmlns:a16="http://schemas.microsoft.com/office/drawing/2014/main" id="{7309BB76-176E-46F5-8F9F-7670447A2DB6}"/>
               </a:ext>
             </a:extLst>
           </p:cNvPr>
@@ -2507,7 +2507,7 @@
           <p:cNvPr id="3" name="图片占位符 2">
             <a:extLst>
               <a:ext uri="{FF2B5EF4-FFF2-40B4-BE49-F238E27FC236}">
-                <a16:creationId xmlns:a16="http://schemas.microsoft.com/office/drawing/2014/main" id="{9E8C4FAB-DE9E-3F0F-8586-7973FE40B48B}"/>
+                <a16:creationId xmlns:a16="http://schemas.microsoft.com/office/drawing/2014/main" id="{4E47C148-C3A0-F67C-5F46-820E29412EF3}"/>
               </a:ext>
             </a:extLst>
           </p:cNvPr>
@@ -2574,7 +2574,7 @@
           <p:cNvPr id="4" name="文本占位符 3">
             <a:extLst>
               <a:ext uri="{FF2B5EF4-FFF2-40B4-BE49-F238E27FC236}">
-                <a16:creationId xmlns:a16="http://schemas.microsoft.com/office/drawing/2014/main" id="{0488BD05-C492-9E95-0567-45E408DAD348}"/>
+                <a16:creationId xmlns:a16="http://schemas.microsoft.com/office/drawing/2014/main" id="{BAB41311-55A9-9B6E-1303-BEDA4DC54A13}"/>
               </a:ext>
             </a:extLst>
           </p:cNvPr>
@@ -2645,7 +2645,7 @@
           <p:cNvPr id="5" name="日期占位符 4">
             <a:extLst>
               <a:ext uri="{FF2B5EF4-FFF2-40B4-BE49-F238E27FC236}">
-                <a16:creationId xmlns:a16="http://schemas.microsoft.com/office/drawing/2014/main" id="{9B9CC688-A21A-692D-EA1C-A19D312B69F7}"/>
+                <a16:creationId xmlns:a16="http://schemas.microsoft.com/office/drawing/2014/main" id="{E1225EFD-5E8C-EA57-193B-374F9A98C540}"/>
               </a:ext>
             </a:extLst>
           </p:cNvPr>
@@ -2661,7 +2661,7 @@
           <a:bodyPr/>
           <a:lstStyle/>
           <a:p>
-            <a:fld id="{156944E4-BC25-4F0E-8D1C-A8E801B63424}" type="datetimeFigureOut">
+            <a:fld id="{60BAEC06-7505-4034-BC21-6B3E097ECABD}" type="datetimeFigureOut">
               <a:rPr lang="zh-CN" altLang="en-US" smtClean="0"/>
               <a:t>2024/3/10</a:t>
             </a:fld>
@@ -2674,7 +2674,7 @@
           <p:cNvPr id="6" name="页脚占位符 5">
             <a:extLst>
               <a:ext uri="{FF2B5EF4-FFF2-40B4-BE49-F238E27FC236}">
-                <a16:creationId xmlns:a16="http://schemas.microsoft.com/office/drawing/2014/main" id="{3F08D914-5AD3-BACD-1C2C-FB57719EEAF8}"/>
+                <a16:creationId xmlns:a16="http://schemas.microsoft.com/office/drawing/2014/main" id="{3180F4EA-8F63-7FFF-3FCD-4890EBE76D5B}"/>
               </a:ext>
             </a:extLst>
           </p:cNvPr>
@@ -2699,7 +2699,7 @@
           <p:cNvPr id="7" name="灯片编号占位符 6">
             <a:extLst>
               <a:ext uri="{FF2B5EF4-FFF2-40B4-BE49-F238E27FC236}">
-                <a16:creationId xmlns:a16="http://schemas.microsoft.com/office/drawing/2014/main" id="{9F4595F0-8EE2-A673-2DAE-3FC8C483457A}"/>
+                <a16:creationId xmlns:a16="http://schemas.microsoft.com/office/drawing/2014/main" id="{0E2883D5-1515-E15B-9DAA-71FB36D0B5B8}"/>
               </a:ext>
             </a:extLst>
           </p:cNvPr>
@@ -2715,7 +2715,7 @@
           <a:bodyPr/>
           <a:lstStyle/>
           <a:p>
-            <a:fld id="{70848BCA-9205-4340-9A25-144095185E51}" type="slidenum">
+            <a:fld id="{1918D53B-3833-4E77-B99C-C001C6789864}" type="slidenum">
               <a:rPr lang="zh-CN" altLang="en-US" smtClean="0"/>
               <a:t>‹#›</a:t>
             </a:fld>
@@ -2726,7 +2726,7 @@
     </p:spTree>
     <p:extLst>
       <p:ext uri="{BB962C8B-B14F-4D97-AF65-F5344CB8AC3E}">
-        <p14:creationId xmlns:p14="http://schemas.microsoft.com/office/powerpoint/2010/main" val="628979315"/>
+        <p14:creationId xmlns:p14="http://schemas.microsoft.com/office/powerpoint/2010/main" val="2797464141"/>
       </p:ext>
     </p:extLst>
   </p:cSld>
@@ -2763,7 +2763,7 @@
           <p:cNvPr id="2" name="标题占位符 1">
             <a:extLst>
               <a:ext uri="{FF2B5EF4-FFF2-40B4-BE49-F238E27FC236}">
-                <a16:creationId xmlns:a16="http://schemas.microsoft.com/office/drawing/2014/main" id="{766D7210-8B97-B21C-8A7C-2B61172E228F}"/>
+                <a16:creationId xmlns:a16="http://schemas.microsoft.com/office/drawing/2014/main" id="{1032F1CA-763E-6AAF-8728-1976E7505C0B}"/>
               </a:ext>
             </a:extLst>
           </p:cNvPr>
@@ -2801,7 +2801,7 @@
           <p:cNvPr id="3" name="文本占位符 2">
             <a:extLst>
               <a:ext uri="{FF2B5EF4-FFF2-40B4-BE49-F238E27FC236}">
-                <a16:creationId xmlns:a16="http://schemas.microsoft.com/office/drawing/2014/main" id="{2DDD7E7D-9722-D2F8-5E12-8EA6CEFA2D88}"/>
+                <a16:creationId xmlns:a16="http://schemas.microsoft.com/office/drawing/2014/main" id="{DA3C02C4-9BAD-891A-C1A0-1650A82A37E3}"/>
               </a:ext>
             </a:extLst>
           </p:cNvPr>
@@ -2868,7 +2868,7 @@
           <p:cNvPr id="4" name="日期占位符 3">
             <a:extLst>
               <a:ext uri="{FF2B5EF4-FFF2-40B4-BE49-F238E27FC236}">
-                <a16:creationId xmlns:a16="http://schemas.microsoft.com/office/drawing/2014/main" id="{C23DAD38-99C5-00D0-D56C-49214436A582}"/>
+                <a16:creationId xmlns:a16="http://schemas.microsoft.com/office/drawing/2014/main" id="{405E3A5E-6439-B097-C182-F14F65774F4D}"/>
               </a:ext>
             </a:extLst>
           </p:cNvPr>
@@ -2902,7 +2902,7 @@
             </a:lvl1pPr>
           </a:lstStyle>
           <a:p>
-            <a:fld id="{156944E4-BC25-4F0E-8D1C-A8E801B63424}" type="datetimeFigureOut">
+            <a:fld id="{60BAEC06-7505-4034-BC21-6B3E097ECABD}" type="datetimeFigureOut">
               <a:rPr lang="zh-CN" altLang="en-US" smtClean="0"/>
               <a:t>2024/3/10</a:t>
             </a:fld>
@@ -2915,7 +2915,7 @@
           <p:cNvPr id="5" name="页脚占位符 4">
             <a:extLst>
               <a:ext uri="{FF2B5EF4-FFF2-40B4-BE49-F238E27FC236}">
-                <a16:creationId xmlns:a16="http://schemas.microsoft.com/office/drawing/2014/main" id="{8963CC0A-B517-7D4A-A1CA-BE4E7B01D271}"/>
+                <a16:creationId xmlns:a16="http://schemas.microsoft.com/office/drawing/2014/main" id="{2A088201-7607-E4BA-1614-180368EAC7BE}"/>
               </a:ext>
             </a:extLst>
           </p:cNvPr>
@@ -2958,7 +2958,7 @@
           <p:cNvPr id="6" name="灯片编号占位符 5">
             <a:extLst>
               <a:ext uri="{FF2B5EF4-FFF2-40B4-BE49-F238E27FC236}">
-                <a16:creationId xmlns:a16="http://schemas.microsoft.com/office/drawing/2014/main" id="{81C0D5AB-58CB-BA6A-659C-B787EA3C4F1C}"/>
+                <a16:creationId xmlns:a16="http://schemas.microsoft.com/office/drawing/2014/main" id="{ED739A5F-BF1B-A135-827A-8A73A4DAB4A2}"/>
               </a:ext>
             </a:extLst>
           </p:cNvPr>
@@ -2992,7 +2992,7 @@
             </a:lvl1pPr>
           </a:lstStyle>
           <a:p>
-            <a:fld id="{70848BCA-9205-4340-9A25-144095185E51}" type="slidenum">
+            <a:fld id="{1918D53B-3833-4E77-B99C-C001C6789864}" type="slidenum">
               <a:rPr lang="zh-CN" altLang="en-US" smtClean="0"/>
               <a:t>‹#›</a:t>
             </a:fld>
@@ -3003,7 +3003,7 @@
     </p:spTree>
     <p:extLst>
       <p:ext uri="{BB962C8B-B14F-4D97-AF65-F5344CB8AC3E}">
-        <p14:creationId xmlns:p14="http://schemas.microsoft.com/office/powerpoint/2010/main" val="2746139675"/>
+        <p14:creationId xmlns:p14="http://schemas.microsoft.com/office/powerpoint/2010/main" val="354255960"/>
       </p:ext>
     </p:extLst>
   </p:cSld>
